--- a/Rules.pptx
+++ b/Rules.pptx
@@ -13,6 +13,7 @@
     <p:sldId id="260" r:id="rId7"/>
     <p:sldId id="261" r:id="rId8"/>
     <p:sldId id="263" r:id="rId9"/>
+    <p:sldId id="264" r:id="rId10"/>
   </p:sldIdLst>
   <p:sldSz cx="12192000" cy="6858000"/>
   <p:notesSz cx="6858000" cy="9144000"/>
@@ -479,7 +480,7 @@
           <a:p>
             <a:fld id="{511D637F-7285-439D-B415-7BF30B0A6F7A}" type="datetimeFigureOut">
               <a:rPr lang="en-US" smtClean="0"/>
-              <a:t>5/11/2021</a:t>
+              <a:t>5/13/2021</a:t>
             </a:fld>
             <a:endParaRPr lang="en-US"/>
           </a:p>
@@ -677,7 +678,7 @@
           <a:p>
             <a:fld id="{511D637F-7285-439D-B415-7BF30B0A6F7A}" type="datetimeFigureOut">
               <a:rPr lang="en-US" smtClean="0"/>
-              <a:t>5/11/2021</a:t>
+              <a:t>5/13/2021</a:t>
             </a:fld>
             <a:endParaRPr lang="en-US"/>
           </a:p>
@@ -885,7 +886,7 @@
           <a:p>
             <a:fld id="{511D637F-7285-439D-B415-7BF30B0A6F7A}" type="datetimeFigureOut">
               <a:rPr lang="en-US" smtClean="0"/>
-              <a:t>5/11/2021</a:t>
+              <a:t>5/13/2021</a:t>
             </a:fld>
             <a:endParaRPr lang="en-US"/>
           </a:p>
@@ -1083,7 +1084,7 @@
           <a:p>
             <a:fld id="{511D637F-7285-439D-B415-7BF30B0A6F7A}" type="datetimeFigureOut">
               <a:rPr lang="en-US" smtClean="0"/>
-              <a:t>5/11/2021</a:t>
+              <a:t>5/13/2021</a:t>
             </a:fld>
             <a:endParaRPr lang="en-US"/>
           </a:p>
@@ -1358,7 +1359,7 @@
           <a:p>
             <a:fld id="{511D637F-7285-439D-B415-7BF30B0A6F7A}" type="datetimeFigureOut">
               <a:rPr lang="en-US" smtClean="0"/>
-              <a:t>5/11/2021</a:t>
+              <a:t>5/13/2021</a:t>
             </a:fld>
             <a:endParaRPr lang="en-US"/>
           </a:p>
@@ -1623,7 +1624,7 @@
           <a:p>
             <a:fld id="{511D637F-7285-439D-B415-7BF30B0A6F7A}" type="datetimeFigureOut">
               <a:rPr lang="en-US" smtClean="0"/>
-              <a:t>5/11/2021</a:t>
+              <a:t>5/13/2021</a:t>
             </a:fld>
             <a:endParaRPr lang="en-US"/>
           </a:p>
@@ -2035,7 +2036,7 @@
           <a:p>
             <a:fld id="{511D637F-7285-439D-B415-7BF30B0A6F7A}" type="datetimeFigureOut">
               <a:rPr lang="en-US" smtClean="0"/>
-              <a:t>5/11/2021</a:t>
+              <a:t>5/13/2021</a:t>
             </a:fld>
             <a:endParaRPr lang="en-US"/>
           </a:p>
@@ -2176,7 +2177,7 @@
           <a:p>
             <a:fld id="{511D637F-7285-439D-B415-7BF30B0A6F7A}" type="datetimeFigureOut">
               <a:rPr lang="en-US" smtClean="0"/>
-              <a:t>5/11/2021</a:t>
+              <a:t>5/13/2021</a:t>
             </a:fld>
             <a:endParaRPr lang="en-US"/>
           </a:p>
@@ -2289,7 +2290,7 @@
           <a:p>
             <a:fld id="{511D637F-7285-439D-B415-7BF30B0A6F7A}" type="datetimeFigureOut">
               <a:rPr lang="en-US" smtClean="0"/>
-              <a:t>5/11/2021</a:t>
+              <a:t>5/13/2021</a:t>
             </a:fld>
             <a:endParaRPr lang="en-US"/>
           </a:p>
@@ -2600,7 +2601,7 @@
           <a:p>
             <a:fld id="{511D637F-7285-439D-B415-7BF30B0A6F7A}" type="datetimeFigureOut">
               <a:rPr lang="en-US" smtClean="0"/>
-              <a:t>5/11/2021</a:t>
+              <a:t>5/13/2021</a:t>
             </a:fld>
             <a:endParaRPr lang="en-US"/>
           </a:p>
@@ -2888,7 +2889,7 @@
           <a:p>
             <a:fld id="{511D637F-7285-439D-B415-7BF30B0A6F7A}" type="datetimeFigureOut">
               <a:rPr lang="en-US" smtClean="0"/>
-              <a:t>5/11/2021</a:t>
+              <a:t>5/13/2021</a:t>
             </a:fld>
             <a:endParaRPr lang="en-US"/>
           </a:p>
@@ -3129,7 +3130,7 @@
           <a:p>
             <a:fld id="{511D637F-7285-439D-B415-7BF30B0A6F7A}" type="datetimeFigureOut">
               <a:rPr lang="en-US" smtClean="0"/>
-              <a:t>5/11/2021</a:t>
+              <a:t>5/13/2021</a:t>
             </a:fld>
             <a:endParaRPr lang="en-US"/>
           </a:p>
@@ -15873,6 +15874,540 @@
 </p:sld>
 </file>
 
+<file path=ppt/slides/slide9.xml><?xml version="1.0" encoding="utf-8"?>
+<p:sld xmlns:a="http://schemas.openxmlformats.org/drawingml/2006/main" xmlns:r="http://schemas.openxmlformats.org/officeDocument/2006/relationships" xmlns:p="http://schemas.openxmlformats.org/presentationml/2006/main">
+  <p:cSld>
+    <p:spTree>
+      <p:nvGrpSpPr>
+        <p:cNvPr id="1" name=""/>
+        <p:cNvGrpSpPr/>
+        <p:nvPr/>
+      </p:nvGrpSpPr>
+      <p:grpSpPr>
+        <a:xfrm>
+          <a:off x="0" y="0"/>
+          <a:ext cx="0" cy="0"/>
+          <a:chOff x="0" y="0"/>
+          <a:chExt cx="0" cy="0"/>
+        </a:xfrm>
+      </p:grpSpPr>
+      <p:sp>
+        <p:nvSpPr>
+          <p:cNvPr id="2" name="Google Shape;84;p13">
+            <a:extLst>
+              <a:ext uri="{FF2B5EF4-FFF2-40B4-BE49-F238E27FC236}">
+                <a16:creationId xmlns:a16="http://schemas.microsoft.com/office/drawing/2014/main" id="{0DC9CD7D-F7F0-4434-B171-36E93732B1E2}"/>
+              </a:ext>
+            </a:extLst>
+          </p:cNvPr>
+          <p:cNvSpPr/>
+          <p:nvPr/>
+        </p:nvSpPr>
+        <p:spPr>
+          <a:xfrm>
+            <a:off x="2265750" y="469231"/>
+            <a:ext cx="5569995" cy="1777652"/>
+          </a:xfrm>
+          <a:prstGeom prst="roundRect">
+            <a:avLst>
+              <a:gd name="adj" fmla="val 6209"/>
+            </a:avLst>
+          </a:prstGeom>
+          <a:solidFill>
+            <a:srgbClr val="FFFFAF"/>
+          </a:solidFill>
+          <a:ln>
+            <a:noFill/>
+          </a:ln>
+        </p:spPr>
+        <p:txBody>
+          <a:bodyPr spcFirstLastPara="1" wrap="square" lIns="91433" tIns="45700" rIns="91433" bIns="45700" anchor="ctr" anchorCtr="0">
+            <a:noAutofit/>
+          </a:bodyPr>
+          <a:lstStyle/>
+          <a:p>
+            <a:pPr algn="ctr"/>
+            <a:endParaRPr sz="1867" dirty="0">
+              <a:solidFill>
+                <a:schemeClr val="lt1"/>
+              </a:solidFill>
+              <a:latin typeface="Calibri"/>
+              <a:ea typeface="Calibri"/>
+              <a:cs typeface="Calibri"/>
+              <a:sym typeface="Calibri"/>
+            </a:endParaRPr>
+          </a:p>
+        </p:txBody>
+      </p:sp>
+      <p:grpSp>
+        <p:nvGrpSpPr>
+          <p:cNvPr id="3" name="Group 2">
+            <a:extLst>
+              <a:ext uri="{FF2B5EF4-FFF2-40B4-BE49-F238E27FC236}">
+                <a16:creationId xmlns:a16="http://schemas.microsoft.com/office/drawing/2014/main" id="{7F974EF7-2272-4FB4-AAD3-39899990DAB9}"/>
+              </a:ext>
+            </a:extLst>
+          </p:cNvPr>
+          <p:cNvGrpSpPr/>
+          <p:nvPr/>
+        </p:nvGrpSpPr>
+        <p:grpSpPr>
+          <a:xfrm>
+            <a:off x="6129476" y="758783"/>
+            <a:ext cx="1371600" cy="1198548"/>
+            <a:chOff x="9303831" y="1674008"/>
+            <a:chExt cx="1067152" cy="1198548"/>
+          </a:xfrm>
+        </p:grpSpPr>
+        <p:sp>
+          <p:nvSpPr>
+            <p:cNvPr id="4" name="Rectangle: Rounded Corners 3">
+              <a:extLst>
+                <a:ext uri="{FF2B5EF4-FFF2-40B4-BE49-F238E27FC236}">
+                  <a16:creationId xmlns:a16="http://schemas.microsoft.com/office/drawing/2014/main" id="{53E4F066-8387-4264-A4C4-7A62DC0FA390}"/>
+                </a:ext>
+              </a:extLst>
+            </p:cNvPr>
+            <p:cNvSpPr/>
+            <p:nvPr/>
+          </p:nvSpPr>
+          <p:spPr>
+            <a:xfrm>
+              <a:off x="9303831" y="1674008"/>
+              <a:ext cx="1067152" cy="1198548"/>
+            </a:xfrm>
+            <a:prstGeom prst="roundRect">
+              <a:avLst>
+                <a:gd name="adj" fmla="val 5456"/>
+              </a:avLst>
+            </a:prstGeom>
+            <a:ln>
+              <a:solidFill>
+                <a:schemeClr val="bg1"/>
+              </a:solidFill>
+            </a:ln>
+            <a:effectLst>
+              <a:outerShdw blurRad="63500" sx="102000" sy="102000" algn="ctr" rotWithShape="0">
+                <a:prstClr val="black">
+                  <a:alpha val="40000"/>
+                </a:prstClr>
+              </a:outerShdw>
+            </a:effectLst>
+          </p:spPr>
+          <p:style>
+            <a:lnRef idx="2">
+              <a:schemeClr val="dk1"/>
+            </a:lnRef>
+            <a:fillRef idx="1">
+              <a:schemeClr val="lt1"/>
+            </a:fillRef>
+            <a:effectRef idx="0">
+              <a:schemeClr val="dk1"/>
+            </a:effectRef>
+            <a:fontRef idx="minor">
+              <a:schemeClr val="dk1"/>
+            </a:fontRef>
+          </p:style>
+          <p:txBody>
+            <a:bodyPr rtlCol="0" anchor="ctr"/>
+            <a:lstStyle/>
+            <a:p>
+              <a:pPr algn="ctr"/>
+              <a:r>
+                <a:rPr lang="en-US" dirty="0">
+                  <a:solidFill>
+                    <a:schemeClr val="bg1"/>
+                  </a:solidFill>
+                </a:rPr>
+                <a:t>UI</a:t>
+              </a:r>
+            </a:p>
+          </p:txBody>
+        </p:sp>
+        <p:sp>
+          <p:nvSpPr>
+            <p:cNvPr id="5" name="TextBox 4">
+              <a:extLst>
+                <a:ext uri="{FF2B5EF4-FFF2-40B4-BE49-F238E27FC236}">
+                  <a16:creationId xmlns:a16="http://schemas.microsoft.com/office/drawing/2014/main" id="{68EBED4F-476B-4022-AC04-7521C9212BB7}"/>
+                </a:ext>
+              </a:extLst>
+            </p:cNvPr>
+            <p:cNvSpPr txBox="1"/>
+            <p:nvPr/>
+          </p:nvSpPr>
+          <p:spPr>
+            <a:xfrm>
+              <a:off x="9410117" y="2043702"/>
+              <a:ext cx="854579" cy="461665"/>
+            </a:xfrm>
+            <a:prstGeom prst="rect">
+              <a:avLst/>
+            </a:prstGeom>
+            <a:noFill/>
+          </p:spPr>
+          <p:txBody>
+            <a:bodyPr wrap="square" rtlCol="0">
+              <a:spAutoFit/>
+            </a:bodyPr>
+            <a:lstStyle/>
+            <a:p>
+              <a:pPr algn="ctr"/>
+              <a:r>
+                <a:rPr lang="en-US" sz="1200" b="1" dirty="0" err="1"/>
+                <a:t>Kie</a:t>
+              </a:r>
+              <a:r>
+                <a:rPr lang="en-US" sz="1200" b="1" dirty="0"/>
+                <a:t>-Server (Drools)</a:t>
+              </a:r>
+              <a:endParaRPr lang="en-US" b="1" dirty="0"/>
+            </a:p>
+          </p:txBody>
+        </p:sp>
+      </p:grpSp>
+      <p:grpSp>
+        <p:nvGrpSpPr>
+          <p:cNvPr id="6" name="Group 5">
+            <a:extLst>
+              <a:ext uri="{FF2B5EF4-FFF2-40B4-BE49-F238E27FC236}">
+                <a16:creationId xmlns:a16="http://schemas.microsoft.com/office/drawing/2014/main" id="{79522FF7-C26A-4583-8D76-B82A4F6743B7}"/>
+              </a:ext>
+            </a:extLst>
+          </p:cNvPr>
+          <p:cNvGrpSpPr/>
+          <p:nvPr/>
+        </p:nvGrpSpPr>
+        <p:grpSpPr>
+          <a:xfrm>
+            <a:off x="2538011" y="758783"/>
+            <a:ext cx="1371600" cy="1198548"/>
+            <a:chOff x="9303831" y="1674008"/>
+            <a:chExt cx="1067152" cy="1198548"/>
+          </a:xfrm>
+        </p:grpSpPr>
+        <p:sp>
+          <p:nvSpPr>
+            <p:cNvPr id="7" name="Rectangle: Rounded Corners 6">
+              <a:extLst>
+                <a:ext uri="{FF2B5EF4-FFF2-40B4-BE49-F238E27FC236}">
+                  <a16:creationId xmlns:a16="http://schemas.microsoft.com/office/drawing/2014/main" id="{EDF6276E-E9A2-4244-92FE-72122B0B37C7}"/>
+                </a:ext>
+              </a:extLst>
+            </p:cNvPr>
+            <p:cNvSpPr/>
+            <p:nvPr/>
+          </p:nvSpPr>
+          <p:spPr>
+            <a:xfrm>
+              <a:off x="9303831" y="1674008"/>
+              <a:ext cx="1067152" cy="1198548"/>
+            </a:xfrm>
+            <a:prstGeom prst="roundRect">
+              <a:avLst>
+                <a:gd name="adj" fmla="val 5456"/>
+              </a:avLst>
+            </a:prstGeom>
+            <a:ln>
+              <a:solidFill>
+                <a:schemeClr val="bg1"/>
+              </a:solidFill>
+            </a:ln>
+            <a:effectLst>
+              <a:outerShdw blurRad="63500" sx="102000" sy="102000" algn="ctr" rotWithShape="0">
+                <a:prstClr val="black">
+                  <a:alpha val="40000"/>
+                </a:prstClr>
+              </a:outerShdw>
+            </a:effectLst>
+          </p:spPr>
+          <p:style>
+            <a:lnRef idx="2">
+              <a:schemeClr val="dk1"/>
+            </a:lnRef>
+            <a:fillRef idx="1">
+              <a:schemeClr val="lt1"/>
+            </a:fillRef>
+            <a:effectRef idx="0">
+              <a:schemeClr val="dk1"/>
+            </a:effectRef>
+            <a:fontRef idx="minor">
+              <a:schemeClr val="dk1"/>
+            </a:fontRef>
+          </p:style>
+          <p:txBody>
+            <a:bodyPr rtlCol="0" anchor="ctr"/>
+            <a:lstStyle/>
+            <a:p>
+              <a:pPr algn="ctr"/>
+              <a:r>
+                <a:rPr lang="en-US" dirty="0">
+                  <a:solidFill>
+                    <a:schemeClr val="bg1"/>
+                  </a:solidFill>
+                </a:rPr>
+                <a:t>UI</a:t>
+              </a:r>
+            </a:p>
+          </p:txBody>
+        </p:sp>
+        <p:sp>
+          <p:nvSpPr>
+            <p:cNvPr id="8" name="TextBox 7">
+              <a:extLst>
+                <a:ext uri="{FF2B5EF4-FFF2-40B4-BE49-F238E27FC236}">
+                  <a16:creationId xmlns:a16="http://schemas.microsoft.com/office/drawing/2014/main" id="{EA1BE05B-6B92-48B6-B3F5-793041A88F0E}"/>
+                </a:ext>
+              </a:extLst>
+            </p:cNvPr>
+            <p:cNvSpPr txBox="1"/>
+            <p:nvPr/>
+          </p:nvSpPr>
+          <p:spPr>
+            <a:xfrm>
+              <a:off x="9410117" y="2043702"/>
+              <a:ext cx="854579" cy="461665"/>
+            </a:xfrm>
+            <a:prstGeom prst="rect">
+              <a:avLst/>
+            </a:prstGeom>
+            <a:noFill/>
+          </p:spPr>
+          <p:txBody>
+            <a:bodyPr wrap="square" rtlCol="0">
+              <a:spAutoFit/>
+            </a:bodyPr>
+            <a:lstStyle/>
+            <a:p>
+              <a:pPr algn="ctr"/>
+              <a:r>
+                <a:rPr lang="en-US" sz="1200" b="1" dirty="0"/>
+                <a:t>Business Central</a:t>
+              </a:r>
+              <a:endParaRPr lang="en-US" b="1" dirty="0"/>
+            </a:p>
+          </p:txBody>
+        </p:sp>
+      </p:grpSp>
+      <p:sp>
+        <p:nvSpPr>
+          <p:cNvPr id="9" name="Rectangle: Rounded Corners 8">
+            <a:extLst>
+              <a:ext uri="{FF2B5EF4-FFF2-40B4-BE49-F238E27FC236}">
+                <a16:creationId xmlns:a16="http://schemas.microsoft.com/office/drawing/2014/main" id="{58B81369-3118-4C98-B513-FCB7E5B5AB69}"/>
+              </a:ext>
+            </a:extLst>
+          </p:cNvPr>
+          <p:cNvSpPr/>
+          <p:nvPr/>
+        </p:nvSpPr>
+        <p:spPr>
+          <a:xfrm rot="5400000">
+            <a:off x="2270775" y="1258080"/>
+            <a:ext cx="734421" cy="199953"/>
+          </a:xfrm>
+          <a:prstGeom prst="roundRect">
+            <a:avLst>
+              <a:gd name="adj" fmla="val 50000"/>
+            </a:avLst>
+          </a:prstGeom>
+          <a:solidFill>
+            <a:srgbClr val="FA5864"/>
+          </a:solidFill>
+          <a:ln>
+            <a:noFill/>
+          </a:ln>
+        </p:spPr>
+        <p:style>
+          <a:lnRef idx="2">
+            <a:schemeClr val="accent1">
+              <a:shade val="50000"/>
+            </a:schemeClr>
+          </a:lnRef>
+          <a:fillRef idx="1">
+            <a:schemeClr val="accent1"/>
+          </a:fillRef>
+          <a:effectRef idx="0">
+            <a:schemeClr val="accent1"/>
+          </a:effectRef>
+          <a:fontRef idx="minor">
+            <a:schemeClr val="lt1"/>
+          </a:fontRef>
+        </p:style>
+        <p:txBody>
+          <a:bodyPr rtlCol="0" anchor="ctr"/>
+          <a:lstStyle/>
+          <a:p>
+            <a:pPr algn="ctr"/>
+            <a:r>
+              <a:rPr lang="en-US" sz="1400" dirty="0"/>
+              <a:t>8080</a:t>
+            </a:r>
+          </a:p>
+        </p:txBody>
+      </p:sp>
+      <p:sp>
+        <p:nvSpPr>
+          <p:cNvPr id="10" name="Rectangle: Rounded Corners 9">
+            <a:extLst>
+              <a:ext uri="{FF2B5EF4-FFF2-40B4-BE49-F238E27FC236}">
+                <a16:creationId xmlns:a16="http://schemas.microsoft.com/office/drawing/2014/main" id="{B50E650B-30DA-48CB-AB1A-BD16BFF03F31}"/>
+              </a:ext>
+            </a:extLst>
+          </p:cNvPr>
+          <p:cNvSpPr/>
+          <p:nvPr/>
+        </p:nvSpPr>
+        <p:spPr>
+          <a:xfrm rot="5400000">
+            <a:off x="5862240" y="1258080"/>
+            <a:ext cx="734421" cy="199953"/>
+          </a:xfrm>
+          <a:prstGeom prst="roundRect">
+            <a:avLst>
+              <a:gd name="adj" fmla="val 50000"/>
+            </a:avLst>
+          </a:prstGeom>
+          <a:solidFill>
+            <a:srgbClr val="FA5864"/>
+          </a:solidFill>
+          <a:ln>
+            <a:noFill/>
+          </a:ln>
+        </p:spPr>
+        <p:style>
+          <a:lnRef idx="2">
+            <a:schemeClr val="accent1">
+              <a:shade val="50000"/>
+            </a:schemeClr>
+          </a:lnRef>
+          <a:fillRef idx="1">
+            <a:schemeClr val="accent1"/>
+          </a:fillRef>
+          <a:effectRef idx="0">
+            <a:schemeClr val="accent1"/>
+          </a:effectRef>
+          <a:fontRef idx="minor">
+            <a:schemeClr val="lt1"/>
+          </a:fontRef>
+        </p:style>
+        <p:txBody>
+          <a:bodyPr rtlCol="0" anchor="ctr"/>
+          <a:lstStyle/>
+          <a:p>
+            <a:pPr algn="ctr"/>
+            <a:r>
+              <a:rPr lang="en-US" sz="1400" dirty="0"/>
+              <a:t>8090</a:t>
+            </a:r>
+          </a:p>
+        </p:txBody>
+      </p:sp>
+      <p:cxnSp>
+        <p:nvCxnSpPr>
+          <p:cNvPr id="11" name="Straight Arrow Connector 10">
+            <a:extLst>
+              <a:ext uri="{FF2B5EF4-FFF2-40B4-BE49-F238E27FC236}">
+                <a16:creationId xmlns:a16="http://schemas.microsoft.com/office/drawing/2014/main" id="{B6E7B00C-82F3-49E8-979A-ACFB9B4E1382}"/>
+              </a:ext>
+            </a:extLst>
+          </p:cNvPr>
+          <p:cNvCxnSpPr>
+            <a:cxnSpLocks/>
+            <a:stCxn id="7" idx="3"/>
+            <a:endCxn id="10" idx="2"/>
+          </p:cNvCxnSpPr>
+          <p:nvPr/>
+        </p:nvCxnSpPr>
+        <p:spPr>
+          <a:xfrm>
+            <a:off x="3909611" y="1358057"/>
+            <a:ext cx="2219863" cy="0"/>
+          </a:xfrm>
+          <a:prstGeom prst="straightConnector1">
+            <a:avLst/>
+          </a:prstGeom>
+          <a:ln w="34925">
+            <a:solidFill>
+              <a:schemeClr val="accent4">
+                <a:lumMod val="75000"/>
+              </a:schemeClr>
+            </a:solidFill>
+            <a:headEnd type="triangle"/>
+            <a:tailEnd type="triangle"/>
+          </a:ln>
+          <a:effectLst>
+            <a:outerShdw blurRad="38100" dist="25400" dir="21000000" rotWithShape="0">
+              <a:prstClr val="black">
+                <a:alpha val="38000"/>
+              </a:prstClr>
+            </a:outerShdw>
+          </a:effectLst>
+        </p:spPr>
+        <p:style>
+          <a:lnRef idx="1">
+            <a:schemeClr val="accent1"/>
+          </a:lnRef>
+          <a:fillRef idx="0">
+            <a:schemeClr val="accent1"/>
+          </a:fillRef>
+          <a:effectRef idx="0">
+            <a:schemeClr val="accent1"/>
+          </a:effectRef>
+          <a:fontRef idx="minor">
+            <a:schemeClr val="tx1"/>
+          </a:fontRef>
+        </p:style>
+      </p:cxnSp>
+      <p:sp>
+        <p:nvSpPr>
+          <p:cNvPr id="12" name="TextBox 11">
+            <a:extLst>
+              <a:ext uri="{FF2B5EF4-FFF2-40B4-BE49-F238E27FC236}">
+                <a16:creationId xmlns:a16="http://schemas.microsoft.com/office/drawing/2014/main" id="{3B40FBBA-C85F-4297-9C47-609E0DE0057E}"/>
+              </a:ext>
+            </a:extLst>
+          </p:cNvPr>
+          <p:cNvSpPr txBox="1"/>
+          <p:nvPr/>
+        </p:nvSpPr>
+        <p:spPr>
+          <a:xfrm>
+            <a:off x="4680942" y="1030580"/>
+            <a:ext cx="643656" cy="307777"/>
+          </a:xfrm>
+          <a:prstGeom prst="rect">
+            <a:avLst/>
+          </a:prstGeom>
+          <a:noFill/>
+        </p:spPr>
+        <p:txBody>
+          <a:bodyPr wrap="square">
+            <a:spAutoFit/>
+          </a:bodyPr>
+          <a:lstStyle/>
+          <a:p>
+            <a:r>
+              <a:rPr lang="en-US" sz="1400" b="1" dirty="0"/>
+              <a:t>REST</a:t>
+            </a:r>
+            <a:endParaRPr lang="en-US" sz="1400" dirty="0"/>
+          </a:p>
+        </p:txBody>
+      </p:sp>
+    </p:spTree>
+    <p:extLst>
+      <p:ext uri="{BB962C8B-B14F-4D97-AF65-F5344CB8AC3E}">
+        <p14:creationId xmlns:p14="http://schemas.microsoft.com/office/powerpoint/2010/main" val="3884361462"/>
+      </p:ext>
+    </p:extLst>
+  </p:cSld>
+  <p:clrMapOvr>
+    <a:masterClrMapping/>
+  </p:clrMapOvr>
+</p:sld>
+</file>
+
 <file path=ppt/theme/theme1.xml><?xml version="1.0" encoding="utf-8"?>
 <a:theme xmlns:a="http://schemas.openxmlformats.org/drawingml/2006/main" name="Office Theme">
   <a:themeElements>

--- a/Rules.pptx
+++ b/Rules.pptx
@@ -14,6 +14,7 @@
     <p:sldId id="261" r:id="rId8"/>
     <p:sldId id="263" r:id="rId9"/>
     <p:sldId id="264" r:id="rId10"/>
+    <p:sldId id="265" r:id="rId11"/>
   </p:sldIdLst>
   <p:sldSz cx="12192000" cy="6858000"/>
   <p:notesSz cx="6858000" cy="9144000"/>
@@ -480,7 +481,7 @@
           <a:p>
             <a:fld id="{511D637F-7285-439D-B415-7BF30B0A6F7A}" type="datetimeFigureOut">
               <a:rPr lang="en-US" smtClean="0"/>
-              <a:t>5/13/2021</a:t>
+              <a:t>5/26/2021</a:t>
             </a:fld>
             <a:endParaRPr lang="en-US"/>
           </a:p>
@@ -678,7 +679,7 @@
           <a:p>
             <a:fld id="{511D637F-7285-439D-B415-7BF30B0A6F7A}" type="datetimeFigureOut">
               <a:rPr lang="en-US" smtClean="0"/>
-              <a:t>5/13/2021</a:t>
+              <a:t>5/26/2021</a:t>
             </a:fld>
             <a:endParaRPr lang="en-US"/>
           </a:p>
@@ -886,7 +887,7 @@
           <a:p>
             <a:fld id="{511D637F-7285-439D-B415-7BF30B0A6F7A}" type="datetimeFigureOut">
               <a:rPr lang="en-US" smtClean="0"/>
-              <a:t>5/13/2021</a:t>
+              <a:t>5/26/2021</a:t>
             </a:fld>
             <a:endParaRPr lang="en-US"/>
           </a:p>
@@ -1084,7 +1085,7 @@
           <a:p>
             <a:fld id="{511D637F-7285-439D-B415-7BF30B0A6F7A}" type="datetimeFigureOut">
               <a:rPr lang="en-US" smtClean="0"/>
-              <a:t>5/13/2021</a:t>
+              <a:t>5/26/2021</a:t>
             </a:fld>
             <a:endParaRPr lang="en-US"/>
           </a:p>
@@ -1359,7 +1360,7 @@
           <a:p>
             <a:fld id="{511D637F-7285-439D-B415-7BF30B0A6F7A}" type="datetimeFigureOut">
               <a:rPr lang="en-US" smtClean="0"/>
-              <a:t>5/13/2021</a:t>
+              <a:t>5/26/2021</a:t>
             </a:fld>
             <a:endParaRPr lang="en-US"/>
           </a:p>
@@ -1624,7 +1625,7 @@
           <a:p>
             <a:fld id="{511D637F-7285-439D-B415-7BF30B0A6F7A}" type="datetimeFigureOut">
               <a:rPr lang="en-US" smtClean="0"/>
-              <a:t>5/13/2021</a:t>
+              <a:t>5/26/2021</a:t>
             </a:fld>
             <a:endParaRPr lang="en-US"/>
           </a:p>
@@ -2036,7 +2037,7 @@
           <a:p>
             <a:fld id="{511D637F-7285-439D-B415-7BF30B0A6F7A}" type="datetimeFigureOut">
               <a:rPr lang="en-US" smtClean="0"/>
-              <a:t>5/13/2021</a:t>
+              <a:t>5/26/2021</a:t>
             </a:fld>
             <a:endParaRPr lang="en-US"/>
           </a:p>
@@ -2177,7 +2178,7 @@
           <a:p>
             <a:fld id="{511D637F-7285-439D-B415-7BF30B0A6F7A}" type="datetimeFigureOut">
               <a:rPr lang="en-US" smtClean="0"/>
-              <a:t>5/13/2021</a:t>
+              <a:t>5/26/2021</a:t>
             </a:fld>
             <a:endParaRPr lang="en-US"/>
           </a:p>
@@ -2290,7 +2291,7 @@
           <a:p>
             <a:fld id="{511D637F-7285-439D-B415-7BF30B0A6F7A}" type="datetimeFigureOut">
               <a:rPr lang="en-US" smtClean="0"/>
-              <a:t>5/13/2021</a:t>
+              <a:t>5/26/2021</a:t>
             </a:fld>
             <a:endParaRPr lang="en-US"/>
           </a:p>
@@ -2601,7 +2602,7 @@
           <a:p>
             <a:fld id="{511D637F-7285-439D-B415-7BF30B0A6F7A}" type="datetimeFigureOut">
               <a:rPr lang="en-US" smtClean="0"/>
-              <a:t>5/13/2021</a:t>
+              <a:t>5/26/2021</a:t>
             </a:fld>
             <a:endParaRPr lang="en-US"/>
           </a:p>
@@ -2889,7 +2890,7 @@
           <a:p>
             <a:fld id="{511D637F-7285-439D-B415-7BF30B0A6F7A}" type="datetimeFigureOut">
               <a:rPr lang="en-US" smtClean="0"/>
-              <a:t>5/13/2021</a:t>
+              <a:t>5/26/2021</a:t>
             </a:fld>
             <a:endParaRPr lang="en-US"/>
           </a:p>
@@ -3130,7 +3131,7 @@
           <a:p>
             <a:fld id="{511D637F-7285-439D-B415-7BF30B0A6F7A}" type="datetimeFigureOut">
               <a:rPr lang="en-US" smtClean="0"/>
-              <a:t>5/13/2021</a:t>
+              <a:t>5/26/2021</a:t>
             </a:fld>
             <a:endParaRPr lang="en-US"/>
           </a:p>
@@ -5632,6 +5633,886 @@
     <p:extLst>
       <p:ext uri="{BB962C8B-B14F-4D97-AF65-F5344CB8AC3E}">
         <p14:creationId xmlns:p14="http://schemas.microsoft.com/office/powerpoint/2010/main" val="1834738121"/>
+      </p:ext>
+    </p:extLst>
+  </p:cSld>
+  <p:clrMapOvr>
+    <a:masterClrMapping/>
+  </p:clrMapOvr>
+</p:sld>
+</file>
+
+<file path=ppt/slides/slide10.xml><?xml version="1.0" encoding="utf-8"?>
+<p:sld xmlns:a="http://schemas.openxmlformats.org/drawingml/2006/main" xmlns:r="http://schemas.openxmlformats.org/officeDocument/2006/relationships" xmlns:p="http://schemas.openxmlformats.org/presentationml/2006/main">
+  <p:cSld>
+    <p:spTree>
+      <p:nvGrpSpPr>
+        <p:cNvPr id="1" name=""/>
+        <p:cNvGrpSpPr/>
+        <p:nvPr/>
+      </p:nvGrpSpPr>
+      <p:grpSpPr>
+        <a:xfrm>
+          <a:off x="0" y="0"/>
+          <a:ext cx="0" cy="0"/>
+          <a:chOff x="0" y="0"/>
+          <a:chExt cx="0" cy="0"/>
+        </a:xfrm>
+      </p:grpSpPr>
+      <p:sp>
+        <p:nvSpPr>
+          <p:cNvPr id="2" name="Google Shape;84;p13">
+            <a:extLst>
+              <a:ext uri="{FF2B5EF4-FFF2-40B4-BE49-F238E27FC236}">
+                <a16:creationId xmlns:a16="http://schemas.microsoft.com/office/drawing/2014/main" id="{E69ACC9A-C6EE-46D3-85B8-A64A3B2B0113}"/>
+              </a:ext>
+            </a:extLst>
+          </p:cNvPr>
+          <p:cNvSpPr/>
+          <p:nvPr/>
+        </p:nvSpPr>
+        <p:spPr>
+          <a:xfrm>
+            <a:off x="3507320" y="401217"/>
+            <a:ext cx="5254125" cy="3498976"/>
+          </a:xfrm>
+          <a:prstGeom prst="roundRect">
+            <a:avLst>
+              <a:gd name="adj" fmla="val 2209"/>
+            </a:avLst>
+          </a:prstGeom>
+          <a:solidFill>
+            <a:srgbClr val="FFE7FF"/>
+          </a:solidFill>
+          <a:ln>
+            <a:noFill/>
+          </a:ln>
+        </p:spPr>
+        <p:txBody>
+          <a:bodyPr spcFirstLastPara="1" wrap="square" lIns="91433" tIns="45700" rIns="91433" bIns="45700" anchor="ctr" anchorCtr="0">
+            <a:noAutofit/>
+          </a:bodyPr>
+          <a:lstStyle/>
+          <a:p>
+            <a:pPr algn="ctr"/>
+            <a:endParaRPr lang="en-US" sz="1867" dirty="0">
+              <a:solidFill>
+                <a:schemeClr val="lt1"/>
+              </a:solidFill>
+              <a:latin typeface="Calibri"/>
+              <a:ea typeface="Calibri"/>
+              <a:cs typeface="Calibri"/>
+              <a:sym typeface="Calibri"/>
+            </a:endParaRPr>
+          </a:p>
+        </p:txBody>
+      </p:sp>
+      <p:sp>
+        <p:nvSpPr>
+          <p:cNvPr id="3" name="Rectangle: Rounded Corners 2">
+            <a:extLst>
+              <a:ext uri="{FF2B5EF4-FFF2-40B4-BE49-F238E27FC236}">
+                <a16:creationId xmlns:a16="http://schemas.microsoft.com/office/drawing/2014/main" id="{807736C2-EF4B-4421-97B8-895D45B12B6E}"/>
+              </a:ext>
+            </a:extLst>
+          </p:cNvPr>
+          <p:cNvSpPr/>
+          <p:nvPr/>
+        </p:nvSpPr>
+        <p:spPr>
+          <a:xfrm>
+            <a:off x="811942" y="1865189"/>
+            <a:ext cx="1639915" cy="687897"/>
+          </a:xfrm>
+          <a:prstGeom prst="roundRect">
+            <a:avLst>
+              <a:gd name="adj" fmla="val 5456"/>
+            </a:avLst>
+          </a:prstGeom>
+          <a:solidFill>
+            <a:schemeClr val="accent1">
+              <a:lumMod val="20000"/>
+              <a:lumOff val="80000"/>
+            </a:schemeClr>
+          </a:solidFill>
+          <a:ln>
+            <a:solidFill>
+              <a:schemeClr val="bg1"/>
+            </a:solidFill>
+          </a:ln>
+          <a:effectLst>
+            <a:outerShdw blurRad="63500" sx="102000" sy="102000" algn="ctr" rotWithShape="0">
+              <a:prstClr val="black">
+                <a:alpha val="40000"/>
+              </a:prstClr>
+            </a:outerShdw>
+          </a:effectLst>
+        </p:spPr>
+        <p:style>
+          <a:lnRef idx="2">
+            <a:schemeClr val="dk1"/>
+          </a:lnRef>
+          <a:fillRef idx="1">
+            <a:schemeClr val="lt1"/>
+          </a:fillRef>
+          <a:effectRef idx="0">
+            <a:schemeClr val="dk1"/>
+          </a:effectRef>
+          <a:fontRef idx="minor">
+            <a:schemeClr val="dk1"/>
+          </a:fontRef>
+        </p:style>
+        <p:txBody>
+          <a:bodyPr rtlCol="0" anchor="ctr"/>
+          <a:lstStyle/>
+          <a:p>
+            <a:pPr algn="ctr"/>
+            <a:r>
+              <a:rPr lang="en-US" b="1" dirty="0">
+                <a:solidFill>
+                  <a:schemeClr val="tx1"/>
+                </a:solidFill>
+              </a:rPr>
+              <a:t>Browser</a:t>
+            </a:r>
+            <a:endParaRPr lang="en-US" dirty="0">
+              <a:solidFill>
+                <a:schemeClr val="bg1"/>
+              </a:solidFill>
+            </a:endParaRPr>
+          </a:p>
+        </p:txBody>
+      </p:sp>
+      <p:sp>
+        <p:nvSpPr>
+          <p:cNvPr id="4" name="Rectangle: Rounded Corners 3">
+            <a:extLst>
+              <a:ext uri="{FF2B5EF4-FFF2-40B4-BE49-F238E27FC236}">
+                <a16:creationId xmlns:a16="http://schemas.microsoft.com/office/drawing/2014/main" id="{5183F440-73CC-423D-8EB6-4AF53333FAC5}"/>
+              </a:ext>
+            </a:extLst>
+          </p:cNvPr>
+          <p:cNvSpPr/>
+          <p:nvPr/>
+        </p:nvSpPr>
+        <p:spPr>
+          <a:xfrm>
+            <a:off x="3966736" y="1865191"/>
+            <a:ext cx="1639915" cy="687897"/>
+          </a:xfrm>
+          <a:prstGeom prst="roundRect">
+            <a:avLst>
+              <a:gd name="adj" fmla="val 5456"/>
+            </a:avLst>
+          </a:prstGeom>
+          <a:solidFill>
+            <a:srgbClr val="FFFFAF"/>
+          </a:solidFill>
+          <a:ln>
+            <a:solidFill>
+              <a:schemeClr val="accent4">
+                <a:lumMod val="50000"/>
+              </a:schemeClr>
+            </a:solidFill>
+          </a:ln>
+          <a:effectLst>
+            <a:outerShdw blurRad="63500" sx="102000" sy="102000" algn="ctr" rotWithShape="0">
+              <a:prstClr val="black">
+                <a:alpha val="40000"/>
+              </a:prstClr>
+            </a:outerShdw>
+          </a:effectLst>
+        </p:spPr>
+        <p:style>
+          <a:lnRef idx="2">
+            <a:schemeClr val="dk1"/>
+          </a:lnRef>
+          <a:fillRef idx="1">
+            <a:schemeClr val="lt1"/>
+          </a:fillRef>
+          <a:effectRef idx="0">
+            <a:schemeClr val="dk1"/>
+          </a:effectRef>
+          <a:fontRef idx="minor">
+            <a:schemeClr val="dk1"/>
+          </a:fontRef>
+        </p:style>
+        <p:txBody>
+          <a:bodyPr rtlCol="0" anchor="ctr"/>
+          <a:lstStyle/>
+          <a:p>
+            <a:pPr algn="ctr"/>
+            <a:r>
+              <a:rPr lang="en-US" b="1" dirty="0">
+                <a:solidFill>
+                  <a:schemeClr val="tx1"/>
+                </a:solidFill>
+              </a:rPr>
+              <a:t>BFF</a:t>
+            </a:r>
+            <a:endParaRPr lang="en-US" dirty="0">
+              <a:solidFill>
+                <a:schemeClr val="bg1"/>
+              </a:solidFill>
+            </a:endParaRPr>
+          </a:p>
+        </p:txBody>
+      </p:sp>
+      <p:sp>
+        <p:nvSpPr>
+          <p:cNvPr id="5" name="Rectangle: Rounded Corners 4">
+            <a:extLst>
+              <a:ext uri="{FF2B5EF4-FFF2-40B4-BE49-F238E27FC236}">
+                <a16:creationId xmlns:a16="http://schemas.microsoft.com/office/drawing/2014/main" id="{405F5299-F414-49C8-B355-8728B324A130}"/>
+              </a:ext>
+            </a:extLst>
+          </p:cNvPr>
+          <p:cNvSpPr/>
+          <p:nvPr/>
+        </p:nvSpPr>
+        <p:spPr>
+          <a:xfrm>
+            <a:off x="6493220" y="859911"/>
+            <a:ext cx="1639915" cy="687897"/>
+          </a:xfrm>
+          <a:prstGeom prst="roundRect">
+            <a:avLst>
+              <a:gd name="adj" fmla="val 5456"/>
+            </a:avLst>
+          </a:prstGeom>
+          <a:ln>
+            <a:solidFill>
+              <a:schemeClr val="bg1"/>
+            </a:solidFill>
+          </a:ln>
+          <a:effectLst>
+            <a:outerShdw blurRad="63500" sx="102000" sy="102000" algn="ctr" rotWithShape="0">
+              <a:prstClr val="black">
+                <a:alpha val="40000"/>
+              </a:prstClr>
+            </a:outerShdw>
+          </a:effectLst>
+        </p:spPr>
+        <p:style>
+          <a:lnRef idx="2">
+            <a:schemeClr val="dk1"/>
+          </a:lnRef>
+          <a:fillRef idx="1">
+            <a:schemeClr val="lt1"/>
+          </a:fillRef>
+          <a:effectRef idx="0">
+            <a:schemeClr val="dk1"/>
+          </a:effectRef>
+          <a:fontRef idx="minor">
+            <a:schemeClr val="dk1"/>
+          </a:fontRef>
+        </p:style>
+        <p:txBody>
+          <a:bodyPr rtlCol="0" anchor="ctr"/>
+          <a:lstStyle/>
+          <a:p>
+            <a:pPr algn="ctr"/>
+            <a:r>
+              <a:rPr lang="en-US" b="1" dirty="0">
+                <a:solidFill>
+                  <a:schemeClr val="tx1"/>
+                </a:solidFill>
+              </a:rPr>
+              <a:t>api1</a:t>
+            </a:r>
+            <a:endParaRPr lang="en-US" dirty="0">
+              <a:solidFill>
+                <a:schemeClr val="bg1"/>
+              </a:solidFill>
+            </a:endParaRPr>
+          </a:p>
+        </p:txBody>
+      </p:sp>
+      <p:sp>
+        <p:nvSpPr>
+          <p:cNvPr id="6" name="Rectangle: Rounded Corners 5">
+            <a:extLst>
+              <a:ext uri="{FF2B5EF4-FFF2-40B4-BE49-F238E27FC236}">
+                <a16:creationId xmlns:a16="http://schemas.microsoft.com/office/drawing/2014/main" id="{F9148B52-47B0-4278-83FC-288B68172C90}"/>
+              </a:ext>
+            </a:extLst>
+          </p:cNvPr>
+          <p:cNvSpPr/>
+          <p:nvPr/>
+        </p:nvSpPr>
+        <p:spPr>
+          <a:xfrm>
+            <a:off x="6493219" y="1865190"/>
+            <a:ext cx="1639915" cy="687897"/>
+          </a:xfrm>
+          <a:prstGeom prst="roundRect">
+            <a:avLst>
+              <a:gd name="adj" fmla="val 5456"/>
+            </a:avLst>
+          </a:prstGeom>
+          <a:ln>
+            <a:solidFill>
+              <a:schemeClr val="bg1"/>
+            </a:solidFill>
+          </a:ln>
+          <a:effectLst>
+            <a:outerShdw blurRad="63500" sx="102000" sy="102000" algn="ctr" rotWithShape="0">
+              <a:prstClr val="black">
+                <a:alpha val="40000"/>
+              </a:prstClr>
+            </a:outerShdw>
+          </a:effectLst>
+        </p:spPr>
+        <p:style>
+          <a:lnRef idx="2">
+            <a:schemeClr val="dk1"/>
+          </a:lnRef>
+          <a:fillRef idx="1">
+            <a:schemeClr val="lt1"/>
+          </a:fillRef>
+          <a:effectRef idx="0">
+            <a:schemeClr val="dk1"/>
+          </a:effectRef>
+          <a:fontRef idx="minor">
+            <a:schemeClr val="dk1"/>
+          </a:fontRef>
+        </p:style>
+        <p:txBody>
+          <a:bodyPr rtlCol="0" anchor="ctr"/>
+          <a:lstStyle/>
+          <a:p>
+            <a:pPr algn="ctr"/>
+            <a:r>
+              <a:rPr lang="en-US" b="1" dirty="0">
+                <a:solidFill>
+                  <a:schemeClr val="tx1"/>
+                </a:solidFill>
+              </a:rPr>
+              <a:t>api2</a:t>
+            </a:r>
+            <a:endParaRPr lang="en-US" dirty="0">
+              <a:solidFill>
+                <a:schemeClr val="bg1"/>
+              </a:solidFill>
+            </a:endParaRPr>
+          </a:p>
+        </p:txBody>
+      </p:sp>
+      <p:sp>
+        <p:nvSpPr>
+          <p:cNvPr id="7" name="Rectangle: Rounded Corners 6">
+            <a:extLst>
+              <a:ext uri="{FF2B5EF4-FFF2-40B4-BE49-F238E27FC236}">
+                <a16:creationId xmlns:a16="http://schemas.microsoft.com/office/drawing/2014/main" id="{D0796519-460C-4FA8-BA22-6345BC0C8BD6}"/>
+              </a:ext>
+            </a:extLst>
+          </p:cNvPr>
+          <p:cNvSpPr/>
+          <p:nvPr/>
+        </p:nvSpPr>
+        <p:spPr>
+          <a:xfrm>
+            <a:off x="6493219" y="2870469"/>
+            <a:ext cx="1639915" cy="687897"/>
+          </a:xfrm>
+          <a:prstGeom prst="roundRect">
+            <a:avLst>
+              <a:gd name="adj" fmla="val 5456"/>
+            </a:avLst>
+          </a:prstGeom>
+          <a:ln>
+            <a:solidFill>
+              <a:schemeClr val="bg1"/>
+            </a:solidFill>
+          </a:ln>
+          <a:effectLst>
+            <a:outerShdw blurRad="63500" sx="102000" sy="102000" algn="ctr" rotWithShape="0">
+              <a:prstClr val="black">
+                <a:alpha val="40000"/>
+              </a:prstClr>
+            </a:outerShdw>
+          </a:effectLst>
+        </p:spPr>
+        <p:style>
+          <a:lnRef idx="2">
+            <a:schemeClr val="dk1"/>
+          </a:lnRef>
+          <a:fillRef idx="1">
+            <a:schemeClr val="lt1"/>
+          </a:fillRef>
+          <a:effectRef idx="0">
+            <a:schemeClr val="dk1"/>
+          </a:effectRef>
+          <a:fontRef idx="minor">
+            <a:schemeClr val="dk1"/>
+          </a:fontRef>
+        </p:style>
+        <p:txBody>
+          <a:bodyPr rtlCol="0" anchor="ctr"/>
+          <a:lstStyle/>
+          <a:p>
+            <a:pPr algn="ctr"/>
+            <a:r>
+              <a:rPr lang="en-US" b="1" dirty="0">
+                <a:solidFill>
+                  <a:schemeClr val="tx1"/>
+                </a:solidFill>
+              </a:rPr>
+              <a:t>api3</a:t>
+            </a:r>
+            <a:endParaRPr lang="en-US" dirty="0">
+              <a:solidFill>
+                <a:schemeClr val="bg1"/>
+              </a:solidFill>
+            </a:endParaRPr>
+          </a:p>
+        </p:txBody>
+      </p:sp>
+      <p:cxnSp>
+        <p:nvCxnSpPr>
+          <p:cNvPr id="8" name="Straight Arrow Connector 7">
+            <a:extLst>
+              <a:ext uri="{FF2B5EF4-FFF2-40B4-BE49-F238E27FC236}">
+                <a16:creationId xmlns:a16="http://schemas.microsoft.com/office/drawing/2014/main" id="{F3ABBBAF-FEB5-4B31-A8C6-80542E26DE85}"/>
+              </a:ext>
+            </a:extLst>
+          </p:cNvPr>
+          <p:cNvCxnSpPr>
+            <a:cxnSpLocks/>
+            <a:stCxn id="3" idx="3"/>
+            <a:endCxn id="4" idx="1"/>
+          </p:cNvCxnSpPr>
+          <p:nvPr/>
+        </p:nvCxnSpPr>
+        <p:spPr>
+          <a:xfrm>
+            <a:off x="2451857" y="2209138"/>
+            <a:ext cx="1514879" cy="2"/>
+          </a:xfrm>
+          <a:prstGeom prst="straightConnector1">
+            <a:avLst/>
+          </a:prstGeom>
+          <a:ln w="28575">
+            <a:solidFill>
+              <a:schemeClr val="bg2">
+                <a:lumMod val="25000"/>
+              </a:schemeClr>
+            </a:solidFill>
+            <a:headEnd type="triangle"/>
+            <a:tailEnd type="triangle"/>
+          </a:ln>
+          <a:effectLst>
+            <a:outerShdw blurRad="50800" dist="38100" dir="5400000" algn="t" rotWithShape="0">
+              <a:prstClr val="black">
+                <a:alpha val="40000"/>
+              </a:prstClr>
+            </a:outerShdw>
+          </a:effectLst>
+        </p:spPr>
+        <p:style>
+          <a:lnRef idx="1">
+            <a:schemeClr val="accent1"/>
+          </a:lnRef>
+          <a:fillRef idx="0">
+            <a:schemeClr val="accent1"/>
+          </a:fillRef>
+          <a:effectRef idx="0">
+            <a:schemeClr val="accent1"/>
+          </a:effectRef>
+          <a:fontRef idx="minor">
+            <a:schemeClr val="tx1"/>
+          </a:fontRef>
+        </p:style>
+      </p:cxnSp>
+      <p:sp>
+        <p:nvSpPr>
+          <p:cNvPr id="9" name="TextBox 8">
+            <a:extLst>
+              <a:ext uri="{FF2B5EF4-FFF2-40B4-BE49-F238E27FC236}">
+                <a16:creationId xmlns:a16="http://schemas.microsoft.com/office/drawing/2014/main" id="{9C8A7BF8-6E83-4917-B76A-11AE6988C9A6}"/>
+              </a:ext>
+            </a:extLst>
+          </p:cNvPr>
+          <p:cNvSpPr txBox="1"/>
+          <p:nvPr/>
+        </p:nvSpPr>
+        <p:spPr>
+          <a:xfrm>
+            <a:off x="5787861" y="1972667"/>
+            <a:ext cx="705357" cy="246221"/>
+          </a:xfrm>
+          <a:prstGeom prst="rect">
+            <a:avLst/>
+          </a:prstGeom>
+          <a:noFill/>
+        </p:spPr>
+        <p:txBody>
+          <a:bodyPr wrap="square" rtlCol="0">
+            <a:spAutoFit/>
+          </a:bodyPr>
+          <a:lstStyle/>
+          <a:p>
+            <a:r>
+              <a:rPr lang="en-US" sz="1000" b="1" dirty="0">
+                <a:solidFill>
+                  <a:schemeClr val="tx1">
+                    <a:lumMod val="75000"/>
+                  </a:schemeClr>
+                </a:solidFill>
+                <a:latin typeface="Calibri" panose="020F0502020204030204" pitchFamily="34" charset="0"/>
+                <a:cs typeface="Calibri" panose="020F0502020204030204" pitchFamily="34" charset="0"/>
+              </a:rPr>
+              <a:t>/api2</a:t>
+            </a:r>
+            <a:endParaRPr lang="en-US" sz="2000" dirty="0"/>
+          </a:p>
+        </p:txBody>
+      </p:sp>
+      <p:cxnSp>
+        <p:nvCxnSpPr>
+          <p:cNvPr id="13" name="Straight Arrow Connector 12">
+            <a:extLst>
+              <a:ext uri="{FF2B5EF4-FFF2-40B4-BE49-F238E27FC236}">
+                <a16:creationId xmlns:a16="http://schemas.microsoft.com/office/drawing/2014/main" id="{775EF9EB-C74F-463F-960C-D67F449EDFD8}"/>
+              </a:ext>
+            </a:extLst>
+          </p:cNvPr>
+          <p:cNvCxnSpPr>
+            <a:cxnSpLocks/>
+            <a:stCxn id="4" idx="0"/>
+            <a:endCxn id="5" idx="1"/>
+          </p:cNvCxnSpPr>
+          <p:nvPr/>
+        </p:nvCxnSpPr>
+        <p:spPr>
+          <a:xfrm flipV="1">
+            <a:off x="4786694" y="1203860"/>
+            <a:ext cx="1706526" cy="661331"/>
+          </a:xfrm>
+          <a:prstGeom prst="straightConnector1">
+            <a:avLst/>
+          </a:prstGeom>
+          <a:ln w="28575">
+            <a:solidFill>
+              <a:schemeClr val="bg2">
+                <a:lumMod val="25000"/>
+              </a:schemeClr>
+            </a:solidFill>
+            <a:headEnd type="triangle"/>
+            <a:tailEnd type="triangle"/>
+          </a:ln>
+          <a:effectLst>
+            <a:outerShdw blurRad="50800" dist="38100" dir="5400000" algn="t" rotWithShape="0">
+              <a:prstClr val="black">
+                <a:alpha val="40000"/>
+              </a:prstClr>
+            </a:outerShdw>
+          </a:effectLst>
+        </p:spPr>
+        <p:style>
+          <a:lnRef idx="1">
+            <a:schemeClr val="accent1"/>
+          </a:lnRef>
+          <a:fillRef idx="0">
+            <a:schemeClr val="accent1"/>
+          </a:fillRef>
+          <a:effectRef idx="0">
+            <a:schemeClr val="accent1"/>
+          </a:effectRef>
+          <a:fontRef idx="minor">
+            <a:schemeClr val="tx1"/>
+          </a:fontRef>
+        </p:style>
+      </p:cxnSp>
+      <p:cxnSp>
+        <p:nvCxnSpPr>
+          <p:cNvPr id="16" name="Straight Arrow Connector 15">
+            <a:extLst>
+              <a:ext uri="{FF2B5EF4-FFF2-40B4-BE49-F238E27FC236}">
+                <a16:creationId xmlns:a16="http://schemas.microsoft.com/office/drawing/2014/main" id="{032A2F44-2239-4356-9520-213ED16AAC86}"/>
+              </a:ext>
+            </a:extLst>
+          </p:cNvPr>
+          <p:cNvCxnSpPr>
+            <a:cxnSpLocks/>
+            <a:stCxn id="4" idx="2"/>
+            <a:endCxn id="7" idx="1"/>
+          </p:cNvCxnSpPr>
+          <p:nvPr/>
+        </p:nvCxnSpPr>
+        <p:spPr>
+          <a:xfrm>
+            <a:off x="4786694" y="2553088"/>
+            <a:ext cx="1706525" cy="661330"/>
+          </a:xfrm>
+          <a:prstGeom prst="straightConnector1">
+            <a:avLst/>
+          </a:prstGeom>
+          <a:ln w="28575">
+            <a:solidFill>
+              <a:schemeClr val="bg2">
+                <a:lumMod val="25000"/>
+              </a:schemeClr>
+            </a:solidFill>
+            <a:headEnd type="triangle"/>
+            <a:tailEnd type="triangle"/>
+          </a:ln>
+          <a:effectLst>
+            <a:outerShdw blurRad="50800" dist="38100" dir="5400000" algn="t" rotWithShape="0">
+              <a:prstClr val="black">
+                <a:alpha val="40000"/>
+              </a:prstClr>
+            </a:outerShdw>
+          </a:effectLst>
+        </p:spPr>
+        <p:style>
+          <a:lnRef idx="1">
+            <a:schemeClr val="accent1"/>
+          </a:lnRef>
+          <a:fillRef idx="0">
+            <a:schemeClr val="accent1"/>
+          </a:fillRef>
+          <a:effectRef idx="0">
+            <a:schemeClr val="accent1"/>
+          </a:effectRef>
+          <a:fontRef idx="minor">
+            <a:schemeClr val="tx1"/>
+          </a:fontRef>
+        </p:style>
+      </p:cxnSp>
+      <p:cxnSp>
+        <p:nvCxnSpPr>
+          <p:cNvPr id="19" name="Straight Arrow Connector 18">
+            <a:extLst>
+              <a:ext uri="{FF2B5EF4-FFF2-40B4-BE49-F238E27FC236}">
+                <a16:creationId xmlns:a16="http://schemas.microsoft.com/office/drawing/2014/main" id="{5068CB8D-19C6-4849-B05E-170573D71B42}"/>
+              </a:ext>
+            </a:extLst>
+          </p:cNvPr>
+          <p:cNvCxnSpPr>
+            <a:cxnSpLocks/>
+            <a:stCxn id="4" idx="3"/>
+            <a:endCxn id="6" idx="1"/>
+          </p:cNvCxnSpPr>
+          <p:nvPr/>
+        </p:nvCxnSpPr>
+        <p:spPr>
+          <a:xfrm flipV="1">
+            <a:off x="5606651" y="2209139"/>
+            <a:ext cx="886568" cy="1"/>
+          </a:xfrm>
+          <a:prstGeom prst="straightConnector1">
+            <a:avLst/>
+          </a:prstGeom>
+          <a:ln w="28575">
+            <a:solidFill>
+              <a:schemeClr val="bg2">
+                <a:lumMod val="25000"/>
+              </a:schemeClr>
+            </a:solidFill>
+            <a:headEnd type="triangle"/>
+            <a:tailEnd type="triangle"/>
+          </a:ln>
+          <a:effectLst>
+            <a:outerShdw blurRad="50800" dist="38100" dir="5400000" algn="t" rotWithShape="0">
+              <a:prstClr val="black">
+                <a:alpha val="40000"/>
+              </a:prstClr>
+            </a:outerShdw>
+          </a:effectLst>
+        </p:spPr>
+        <p:style>
+          <a:lnRef idx="1">
+            <a:schemeClr val="accent1"/>
+          </a:lnRef>
+          <a:fillRef idx="0">
+            <a:schemeClr val="accent1"/>
+          </a:fillRef>
+          <a:effectRef idx="0">
+            <a:schemeClr val="accent1"/>
+          </a:effectRef>
+          <a:fontRef idx="minor">
+            <a:schemeClr val="tx1"/>
+          </a:fontRef>
+        </p:style>
+      </p:cxnSp>
+      <p:sp>
+        <p:nvSpPr>
+          <p:cNvPr id="22" name="TextBox 21">
+            <a:extLst>
+              <a:ext uri="{FF2B5EF4-FFF2-40B4-BE49-F238E27FC236}">
+                <a16:creationId xmlns:a16="http://schemas.microsoft.com/office/drawing/2014/main" id="{61F846DA-B5BB-485F-BC29-1843B5B410EE}"/>
+              </a:ext>
+            </a:extLst>
+          </p:cNvPr>
+          <p:cNvSpPr txBox="1"/>
+          <p:nvPr/>
+        </p:nvSpPr>
+        <p:spPr>
+          <a:xfrm rot="20264320">
+            <a:off x="5500855" y="1203859"/>
+            <a:ext cx="705357" cy="246221"/>
+          </a:xfrm>
+          <a:prstGeom prst="rect">
+            <a:avLst/>
+          </a:prstGeom>
+          <a:noFill/>
+        </p:spPr>
+        <p:txBody>
+          <a:bodyPr wrap="square" rtlCol="0">
+            <a:spAutoFit/>
+          </a:bodyPr>
+          <a:lstStyle/>
+          <a:p>
+            <a:r>
+              <a:rPr lang="en-US" sz="1000" b="1" dirty="0">
+                <a:solidFill>
+                  <a:schemeClr val="tx1">
+                    <a:lumMod val="75000"/>
+                  </a:schemeClr>
+                </a:solidFill>
+                <a:latin typeface="Calibri" panose="020F0502020204030204" pitchFamily="34" charset="0"/>
+                <a:cs typeface="Calibri" panose="020F0502020204030204" pitchFamily="34" charset="0"/>
+              </a:rPr>
+              <a:t>/api1</a:t>
+            </a:r>
+            <a:endParaRPr lang="en-US" sz="2000" dirty="0"/>
+          </a:p>
+        </p:txBody>
+      </p:sp>
+      <p:sp>
+        <p:nvSpPr>
+          <p:cNvPr id="23" name="TextBox 22">
+            <a:extLst>
+              <a:ext uri="{FF2B5EF4-FFF2-40B4-BE49-F238E27FC236}">
+                <a16:creationId xmlns:a16="http://schemas.microsoft.com/office/drawing/2014/main" id="{AD55F3F4-66A7-47C8-8AB4-8171F0F5BCA1}"/>
+              </a:ext>
+            </a:extLst>
+          </p:cNvPr>
+          <p:cNvSpPr txBox="1"/>
+          <p:nvPr/>
+        </p:nvSpPr>
+        <p:spPr>
+          <a:xfrm rot="1130925">
+            <a:off x="5697256" y="2773926"/>
+            <a:ext cx="705357" cy="246221"/>
+          </a:xfrm>
+          <a:prstGeom prst="rect">
+            <a:avLst/>
+          </a:prstGeom>
+          <a:noFill/>
+        </p:spPr>
+        <p:txBody>
+          <a:bodyPr wrap="square" rtlCol="0">
+            <a:spAutoFit/>
+          </a:bodyPr>
+          <a:lstStyle/>
+          <a:p>
+            <a:r>
+              <a:rPr lang="en-US" sz="1000" b="1" dirty="0">
+                <a:solidFill>
+                  <a:schemeClr val="tx1">
+                    <a:lumMod val="75000"/>
+                  </a:schemeClr>
+                </a:solidFill>
+                <a:latin typeface="Calibri" panose="020F0502020204030204" pitchFamily="34" charset="0"/>
+                <a:cs typeface="Calibri" panose="020F0502020204030204" pitchFamily="34" charset="0"/>
+              </a:rPr>
+              <a:t>/api3</a:t>
+            </a:r>
+            <a:endParaRPr lang="en-US" sz="2000" dirty="0"/>
+          </a:p>
+        </p:txBody>
+      </p:sp>
+      <p:sp>
+        <p:nvSpPr>
+          <p:cNvPr id="25" name="TextBox 24">
+            <a:extLst>
+              <a:ext uri="{FF2B5EF4-FFF2-40B4-BE49-F238E27FC236}">
+                <a16:creationId xmlns:a16="http://schemas.microsoft.com/office/drawing/2014/main" id="{4D3781A1-3F56-4461-97B3-E99E3B5EA273}"/>
+              </a:ext>
+            </a:extLst>
+          </p:cNvPr>
+          <p:cNvSpPr txBox="1"/>
+          <p:nvPr/>
+        </p:nvSpPr>
+        <p:spPr>
+          <a:xfrm>
+            <a:off x="5684837" y="401218"/>
+            <a:ext cx="1021006" cy="369332"/>
+          </a:xfrm>
+          <a:prstGeom prst="rect">
+            <a:avLst/>
+          </a:prstGeom>
+          <a:noFill/>
+        </p:spPr>
+        <p:txBody>
+          <a:bodyPr wrap="square" rtlCol="0">
+            <a:spAutoFit/>
+          </a:bodyPr>
+          <a:lstStyle/>
+          <a:p>
+            <a:r>
+              <a:rPr lang="en-US" b="1" dirty="0">
+                <a:solidFill>
+                  <a:schemeClr val="tx1"/>
+                </a:solidFill>
+              </a:rPr>
+              <a:t>Cluster</a:t>
+            </a:r>
+            <a:endParaRPr lang="en-US" dirty="0"/>
+          </a:p>
+        </p:txBody>
+      </p:sp>
+      <p:sp>
+        <p:nvSpPr>
+          <p:cNvPr id="27" name="Lightning Bolt 26">
+            <a:extLst>
+              <a:ext uri="{FF2B5EF4-FFF2-40B4-BE49-F238E27FC236}">
+                <a16:creationId xmlns:a16="http://schemas.microsoft.com/office/drawing/2014/main" id="{FDD705EF-3E2E-4410-94C3-342A72AD1363}"/>
+              </a:ext>
+            </a:extLst>
+          </p:cNvPr>
+          <p:cNvSpPr/>
+          <p:nvPr/>
+        </p:nvSpPr>
+        <p:spPr>
+          <a:xfrm>
+            <a:off x="2839443" y="1833999"/>
+            <a:ext cx="515797" cy="769777"/>
+          </a:xfrm>
+          <a:prstGeom prst="lightningBolt">
+            <a:avLst/>
+          </a:prstGeom>
+          <a:ln/>
+        </p:spPr>
+        <p:style>
+          <a:lnRef idx="0">
+            <a:schemeClr val="accent5"/>
+          </a:lnRef>
+          <a:fillRef idx="3">
+            <a:schemeClr val="accent5"/>
+          </a:fillRef>
+          <a:effectRef idx="3">
+            <a:schemeClr val="accent5"/>
+          </a:effectRef>
+          <a:fontRef idx="minor">
+            <a:schemeClr val="lt1"/>
+          </a:fontRef>
+        </p:style>
+        <p:txBody>
+          <a:bodyPr rtlCol="0" anchor="ctr"/>
+          <a:lstStyle/>
+          <a:p>
+            <a:pPr algn="ctr"/>
+            <a:endParaRPr lang="en-US" dirty="0"/>
+          </a:p>
+        </p:txBody>
+      </p:sp>
+    </p:spTree>
+    <p:extLst>
+      <p:ext uri="{BB962C8B-B14F-4D97-AF65-F5344CB8AC3E}">
+        <p14:creationId xmlns:p14="http://schemas.microsoft.com/office/powerpoint/2010/main" val="2567538492"/>
       </p:ext>
     </p:extLst>
   </p:cSld>
